--- a/out/09_2d_fit_nonoscillator/summary.pptx
+++ b/out/09_2d_fit_nonoscillator/summary.pptx
@@ -11,6 +11,7 @@
     <p:sldId id="258" r:id="rId5"/>
     <p:sldId id="260" r:id="rId6"/>
     <p:sldId id="261" r:id="rId7"/>
+    <p:sldId id="262" r:id="rId8"/>
   </p:sldIdLst>
   <p:sldSz cx="12192000" cy="6858000"/>
   <p:notesSz cx="6858000" cy="9144000"/>
@@ -6324,8 +6325,8 @@
         </p:nvSpPr>
         <p:spPr>
           <a:xfrm>
-            <a:off x="4331341" y="5519861"/>
-            <a:ext cx="3580701" cy="369332"/>
+            <a:off x="3626665" y="5519861"/>
+            <a:ext cx="5097885" cy="369332"/>
           </a:xfrm>
           <a:prstGeom prst="rect">
             <a:avLst/>
@@ -6340,7 +6341,7 @@
           <a:p>
             <a:r>
               <a:rPr lang="de-DE" dirty="0" err="1"/>
-              <a:t>this</a:t>
+              <a:t>either</a:t>
             </a:r>
             <a:r>
               <a:rPr lang="de-DE" dirty="0"/>
@@ -6348,7 +6349,7 @@
             </a:r>
             <a:r>
               <a:rPr lang="de-DE" dirty="0" err="1"/>
-              <a:t>or</a:t>
+              <a:t>this</a:t>
             </a:r>
             <a:r>
               <a:rPr lang="de-DE" dirty="0"/>
@@ -6356,7 +6357,7 @@
             </a:r>
             <a:r>
               <a:rPr lang="de-DE" dirty="0" err="1"/>
-              <a:t>solution</a:t>
+              <a:t>result</a:t>
             </a:r>
             <a:r>
               <a:rPr lang="de-DE" dirty="0"/>
@@ -6364,7 +6365,31 @@
             </a:r>
             <a:r>
               <a:rPr lang="de-DE" dirty="0" err="1"/>
-              <a:t>runs</a:t>
+              <a:t>or</a:t>
+            </a:r>
+            <a:r>
+              <a:rPr lang="de-DE" dirty="0"/>
+              <a:t> </a:t>
+            </a:r>
+            <a:r>
+              <a:rPr lang="de-DE" dirty="0" err="1"/>
+              <a:t>solution</a:t>
+            </a:r>
+            <a:r>
+              <a:rPr lang="de-DE" dirty="0"/>
+              <a:t> </a:t>
+            </a:r>
+            <a:r>
+              <a:rPr lang="de-DE" dirty="0" err="1"/>
+              <a:t>would</a:t>
+            </a:r>
+            <a:r>
+              <a:rPr lang="de-DE" dirty="0"/>
+              <a:t> </a:t>
+            </a:r>
+            <a:r>
+              <a:rPr lang="de-DE" dirty="0" err="1"/>
+              <a:t>run</a:t>
             </a:r>
             <a:r>
               <a:rPr lang="de-DE" dirty="0"/>
@@ -7406,8 +7431,8 @@
         </p:blipFill>
         <p:spPr bwMode="auto">
           <a:xfrm>
-            <a:off x="347490" y="1592685"/>
-            <a:ext cx="8662642" cy="3675601"/>
+            <a:off x="1234633" y="819458"/>
+            <a:ext cx="6598594" cy="2799815"/>
           </a:xfrm>
           <a:prstGeom prst="rect">
             <a:avLst/>
@@ -7492,8 +7517,264 @@
         </p:blipFill>
         <p:spPr bwMode="auto">
           <a:xfrm>
-            <a:off x="8442121" y="1466850"/>
-            <a:ext cx="3749879" cy="3924300"/>
+            <a:off x="7833227" y="768269"/>
+            <a:ext cx="2773199" cy="2902191"/>
+          </a:xfrm>
+          <a:prstGeom prst="rect">
+            <a:avLst/>
+          </a:prstGeom>
+          <a:noFill/>
+          <a:extLst>
+            <a:ext uri="{909E8E84-426E-40DD-AFC4-6F175D3DCCD1}">
+              <a14:hiddenFill xmlns:a14="http://schemas.microsoft.com/office/drawing/2010/main">
+                <a:solidFill>
+                  <a:srgbClr val="FFFFFF"/>
+                </a:solidFill>
+              </a14:hiddenFill>
+            </a:ext>
+          </a:extLst>
+        </p:spPr>
+      </p:pic>
+      <p:pic>
+        <p:nvPicPr>
+          <p:cNvPr id="6" name="Picture 2">
+            <a:extLst>
+              <a:ext uri="{FF2B5EF4-FFF2-40B4-BE49-F238E27FC236}">
+                <a16:creationId xmlns:a16="http://schemas.microsoft.com/office/drawing/2014/main" id="{75C47B1E-925A-4D89-8933-E775988D7592}"/>
+              </a:ext>
+            </a:extLst>
+          </p:cNvPr>
+          <p:cNvPicPr>
+            <a:picLocks noChangeAspect="1" noChangeArrowheads="1"/>
+          </p:cNvPicPr>
+          <p:nvPr/>
+        </p:nvPicPr>
+        <p:blipFill>
+          <a:blip r:embed="rId4">
+            <a:extLst>
+              <a:ext uri="{28A0092B-C50C-407E-A947-70E740481C1C}">
+                <a14:useLocalDpi xmlns:a14="http://schemas.microsoft.com/office/drawing/2010/main" val="0"/>
+              </a:ext>
+            </a:extLst>
+          </a:blip>
+          <a:srcRect/>
+          <a:stretch>
+            <a:fillRect/>
+          </a:stretch>
+        </p:blipFill>
+        <p:spPr bwMode="auto">
+          <a:xfrm>
+            <a:off x="1183663" y="3809370"/>
+            <a:ext cx="6649563" cy="2799816"/>
+          </a:xfrm>
+          <a:prstGeom prst="rect">
+            <a:avLst/>
+          </a:prstGeom>
+          <a:noFill/>
+          <a:extLst>
+            <a:ext uri="{909E8E84-426E-40DD-AFC4-6F175D3DCCD1}">
+              <a14:hiddenFill xmlns:a14="http://schemas.microsoft.com/office/drawing/2010/main">
+                <a:solidFill>
+                  <a:srgbClr val="FFFFFF"/>
+                </a:solidFill>
+              </a14:hiddenFill>
+            </a:ext>
+          </a:extLst>
+        </p:spPr>
+      </p:pic>
+      <mc:AlternateContent xmlns:mc="http://schemas.openxmlformats.org/markup-compatibility/2006">
+        <mc:Choice xmlns:a14="http://schemas.microsoft.com/office/drawing/2010/main" Requires="a14">
+          <p:sp>
+            <p:nvSpPr>
+              <p:cNvPr id="7" name="Textfeld 6">
+                <a:extLst>
+                  <a:ext uri="{FF2B5EF4-FFF2-40B4-BE49-F238E27FC236}">
+                    <a16:creationId xmlns:a16="http://schemas.microsoft.com/office/drawing/2014/main" id="{EF96C486-5CF8-40B3-85CF-842C97DD82F5}"/>
+                  </a:ext>
+                </a:extLst>
+              </p:cNvPr>
+              <p:cNvSpPr txBox="1"/>
+              <p:nvPr/>
+            </p:nvSpPr>
+            <p:spPr>
+              <a:xfrm>
+                <a:off x="1494692" y="127374"/>
+                <a:ext cx="1600199" cy="391582"/>
+              </a:xfrm>
+              <a:prstGeom prst="rect">
+                <a:avLst/>
+              </a:prstGeom>
+              <a:noFill/>
+            </p:spPr>
+            <p:txBody>
+              <a:bodyPr wrap="square">
+                <a:spAutoFit/>
+              </a:bodyPr>
+              <a:lstStyle/>
+              <a:p>
+                <a:r>
+                  <a:rPr lang="de-DE" b="0" i="1" dirty="0">
+                    <a:solidFill>
+                      <a:schemeClr val="bg1">
+                        <a:lumMod val="50000"/>
+                      </a:schemeClr>
+                    </a:solidFill>
+                    <a:latin typeface="Cambria Math" panose="02040503050406030204" pitchFamily="18" charset="0"/>
+                  </a:rPr>
+                  <a:t>Grade </a:t>
+                </a:r>
+                <a14:m>
+                  <m:oMath xmlns:m="http://schemas.openxmlformats.org/officeDocument/2006/math">
+                    <m:sSub>
+                      <m:sSubPr>
+                        <m:ctrlPr>
+                          <a:rPr lang="de-DE" b="0" i="1" smtClean="0">
+                            <a:solidFill>
+                              <a:schemeClr val="bg1">
+                                <a:lumMod val="50000"/>
+                              </a:schemeClr>
+                            </a:solidFill>
+                            <a:latin typeface="Cambria Math" panose="02040503050406030204" pitchFamily="18" charset="0"/>
+                          </a:rPr>
+                        </m:ctrlPr>
+                      </m:sSubPr>
+                      <m:e>
+                        <m:r>
+                          <a:rPr lang="de-DE" b="0" i="1" smtClean="0">
+                            <a:solidFill>
+                              <a:schemeClr val="bg1">
+                                <a:lumMod val="50000"/>
+                              </a:schemeClr>
+                            </a:solidFill>
+                            <a:latin typeface="Cambria Math" panose="02040503050406030204" pitchFamily="18" charset="0"/>
+                          </a:rPr>
+                          <m:t>𝑁</m:t>
+                        </m:r>
+                      </m:e>
+                      <m:sub>
+                        <m:r>
+                          <a:rPr lang="de-DE" b="0" i="1" smtClean="0">
+                            <a:solidFill>
+                              <a:schemeClr val="bg1">
+                                <a:lumMod val="50000"/>
+                              </a:schemeClr>
+                            </a:solidFill>
+                            <a:latin typeface="Cambria Math" panose="02040503050406030204" pitchFamily="18" charset="0"/>
+                          </a:rPr>
+                          <m:t>𝑓</m:t>
+                        </m:r>
+                      </m:sub>
+                    </m:sSub>
+                    <m:r>
+                      <a:rPr lang="de-DE" b="0" i="1" smtClean="0">
+                        <a:solidFill>
+                          <a:schemeClr val="bg1">
+                            <a:lumMod val="50000"/>
+                          </a:schemeClr>
+                        </a:solidFill>
+                        <a:latin typeface="Cambria Math" panose="02040503050406030204" pitchFamily="18" charset="0"/>
+                      </a:rPr>
+                      <m:t>=</m:t>
+                    </m:r>
+                    <m:r>
+                      <a:rPr lang="de-DE" b="0" i="1" smtClean="0">
+                        <a:solidFill>
+                          <a:schemeClr val="bg1">
+                            <a:lumMod val="50000"/>
+                          </a:schemeClr>
+                        </a:solidFill>
+                        <a:latin typeface="Cambria Math" panose="02040503050406030204" pitchFamily="18" charset="0"/>
+                      </a:rPr>
+                      <m:t>2</m:t>
+                    </m:r>
+                  </m:oMath>
+                </a14:m>
+                <a:endParaRPr lang="de-DE" b="0" i="1" dirty="0">
+                  <a:solidFill>
+                    <a:schemeClr val="bg1">
+                      <a:lumMod val="50000"/>
+                    </a:schemeClr>
+                  </a:solidFill>
+                  <a:latin typeface="Cambria Math" panose="02040503050406030204" pitchFamily="18" charset="0"/>
+                </a:endParaRPr>
+              </a:p>
+            </p:txBody>
+          </p:sp>
+        </mc:Choice>
+        <mc:Fallback>
+          <p:sp>
+            <p:nvSpPr>
+              <p:cNvPr id="7" name="Textfeld 6">
+                <a:extLst>
+                  <a:ext uri="{FF2B5EF4-FFF2-40B4-BE49-F238E27FC236}">
+                    <a16:creationId xmlns:a16="http://schemas.microsoft.com/office/drawing/2014/main" id="{EF96C486-5CF8-40B3-85CF-842C97DD82F5}"/>
+                  </a:ext>
+                </a:extLst>
+              </p:cNvPr>
+              <p:cNvSpPr txBox="1">
+                <a:spLocks noRot="1" noChangeAspect="1" noMove="1" noResize="1" noEditPoints="1" noAdjustHandles="1" noChangeArrowheads="1" noChangeShapeType="1" noTextEdit="1"/>
+              </p:cNvSpPr>
+              <p:nvPr/>
+            </p:nvSpPr>
+            <p:spPr>
+              <a:xfrm>
+                <a:off x="1494692" y="127374"/>
+                <a:ext cx="1600199" cy="391582"/>
+              </a:xfrm>
+              <a:prstGeom prst="rect">
+                <a:avLst/>
+              </a:prstGeom>
+              <a:blipFill>
+                <a:blip r:embed="rId5"/>
+                <a:stretch>
+                  <a:fillRect l="-3042" t="-10938" b="-17188"/>
+                </a:stretch>
+              </a:blipFill>
+            </p:spPr>
+            <p:txBody>
+              <a:bodyPr/>
+              <a:lstStyle/>
+              <a:p>
+                <a:r>
+                  <a:rPr lang="de-DE">
+                    <a:noFill/>
+                  </a:rPr>
+                  <a:t> </a:t>
+                </a:r>
+              </a:p>
+            </p:txBody>
+          </p:sp>
+        </mc:Fallback>
+      </mc:AlternateContent>
+      <p:pic>
+        <p:nvPicPr>
+          <p:cNvPr id="3074" name="Picture 2">
+            <a:extLst>
+              <a:ext uri="{FF2B5EF4-FFF2-40B4-BE49-F238E27FC236}">
+                <a16:creationId xmlns:a16="http://schemas.microsoft.com/office/drawing/2014/main" id="{875EDD25-89FE-4174-BDFD-E7FACF2A2606}"/>
+              </a:ext>
+            </a:extLst>
+          </p:cNvPr>
+          <p:cNvPicPr>
+            <a:picLocks noChangeAspect="1" noChangeArrowheads="1"/>
+          </p:cNvPicPr>
+          <p:nvPr/>
+        </p:nvPicPr>
+        <p:blipFill rotWithShape="1">
+          <a:blip r:embed="rId6">
+            <a:extLst>
+              <a:ext uri="{28A0092B-C50C-407E-A947-70E740481C1C}">
+                <a14:useLocalDpi xmlns:a14="http://schemas.microsoft.com/office/drawing/2010/main" val="0"/>
+              </a:ext>
+            </a:extLst>
+          </a:blip>
+          <a:srcRect l="30470" t="4422" r="22991" b="4863"/>
+          <a:stretch/>
+        </p:blipFill>
+        <p:spPr bwMode="auto">
+          <a:xfrm>
+            <a:off x="7662615" y="3662927"/>
+            <a:ext cx="3114421" cy="3195073"/>
           </a:xfrm>
           <a:prstGeom prst="rect">
             <a:avLst/>
@@ -7514,6 +7795,425 @@
     <p:extLst>
       <p:ext uri="{BB962C8B-B14F-4D97-AF65-F5344CB8AC3E}">
         <p14:creationId xmlns:p14="http://schemas.microsoft.com/office/powerpoint/2010/main" val="2478756473"/>
+      </p:ext>
+    </p:extLst>
+  </p:cSld>
+  <p:clrMapOvr>
+    <a:masterClrMapping/>
+  </p:clrMapOvr>
+</p:sld>
+</file>
+
+<file path=ppt/slides/slide7.xml><?xml version="1.0" encoding="utf-8"?>
+<p:sld xmlns:a="http://schemas.openxmlformats.org/drawingml/2006/main" xmlns:r="http://schemas.openxmlformats.org/officeDocument/2006/relationships" xmlns:p="http://schemas.openxmlformats.org/presentationml/2006/main">
+  <p:cSld>
+    <p:spTree>
+      <p:nvGrpSpPr>
+        <p:cNvPr id="1" name=""/>
+        <p:cNvGrpSpPr/>
+        <p:nvPr/>
+      </p:nvGrpSpPr>
+      <p:grpSpPr>
+        <a:xfrm>
+          <a:off x="0" y="0"/>
+          <a:ext cx="0" cy="0"/>
+          <a:chOff x="0" y="0"/>
+          <a:chExt cx="0" cy="0"/>
+        </a:xfrm>
+      </p:grpSpPr>
+      <p:pic>
+        <p:nvPicPr>
+          <p:cNvPr id="1026" name="Picture 2">
+            <a:extLst>
+              <a:ext uri="{FF2B5EF4-FFF2-40B4-BE49-F238E27FC236}">
+                <a16:creationId xmlns:a16="http://schemas.microsoft.com/office/drawing/2014/main" id="{51764A46-F278-4379-91DF-8CEF601F50CD}"/>
+              </a:ext>
+            </a:extLst>
+          </p:cNvPr>
+          <p:cNvPicPr>
+            <a:picLocks noChangeAspect="1" noChangeArrowheads="1"/>
+          </p:cNvPicPr>
+          <p:nvPr/>
+        </p:nvPicPr>
+        <p:blipFill>
+          <a:blip r:embed="rId2">
+            <a:extLst>
+              <a:ext uri="{28A0092B-C50C-407E-A947-70E740481C1C}">
+                <a14:useLocalDpi xmlns:a14="http://schemas.microsoft.com/office/drawing/2010/main" val="0"/>
+              </a:ext>
+            </a:extLst>
+          </a:blip>
+          <a:srcRect/>
+          <a:stretch>
+            <a:fillRect/>
+          </a:stretch>
+        </p:blipFill>
+        <p:spPr bwMode="auto">
+          <a:xfrm>
+            <a:off x="1234633" y="3854582"/>
+            <a:ext cx="6655572" cy="2802346"/>
+          </a:xfrm>
+          <a:prstGeom prst="rect">
+            <a:avLst/>
+          </a:prstGeom>
+          <a:noFill/>
+          <a:extLst>
+            <a:ext uri="{909E8E84-426E-40DD-AFC4-6F175D3DCCD1}">
+              <a14:hiddenFill xmlns:a14="http://schemas.microsoft.com/office/drawing/2010/main">
+                <a:solidFill>
+                  <a:srgbClr val="FFFFFF"/>
+                </a:solidFill>
+              </a14:hiddenFill>
+            </a:ext>
+          </a:extLst>
+        </p:spPr>
+      </p:pic>
+      <p:pic>
+        <p:nvPicPr>
+          <p:cNvPr id="1028" name="Picture 4">
+            <a:extLst>
+              <a:ext uri="{FF2B5EF4-FFF2-40B4-BE49-F238E27FC236}">
+                <a16:creationId xmlns:a16="http://schemas.microsoft.com/office/drawing/2014/main" id="{E473FEEF-617A-4F43-8FE3-73A17012F70A}"/>
+              </a:ext>
+            </a:extLst>
+          </p:cNvPr>
+          <p:cNvPicPr>
+            <a:picLocks noChangeAspect="1" noChangeArrowheads="1"/>
+          </p:cNvPicPr>
+          <p:nvPr/>
+        </p:nvPicPr>
+        <p:blipFill rotWithShape="1">
+          <a:blip r:embed="rId3">
+            <a:extLst>
+              <a:ext uri="{28A0092B-C50C-407E-A947-70E740481C1C}">
+                <a14:useLocalDpi xmlns:a14="http://schemas.microsoft.com/office/drawing/2010/main" val="0"/>
+              </a:ext>
+            </a:extLst>
+          </a:blip>
+          <a:srcRect l="31767" r="23269" b="10783"/>
+          <a:stretch/>
+        </p:blipFill>
+        <p:spPr bwMode="auto">
+          <a:xfrm>
+            <a:off x="7890205" y="3780884"/>
+            <a:ext cx="2824590" cy="2949742"/>
+          </a:xfrm>
+          <a:prstGeom prst="rect">
+            <a:avLst/>
+          </a:prstGeom>
+          <a:noFill/>
+          <a:extLst>
+            <a:ext uri="{909E8E84-426E-40DD-AFC4-6F175D3DCCD1}">
+              <a14:hiddenFill xmlns:a14="http://schemas.microsoft.com/office/drawing/2010/main">
+                <a:solidFill>
+                  <a:srgbClr val="FFFFFF"/>
+                </a:solidFill>
+              </a14:hiddenFill>
+            </a:ext>
+          </a:extLst>
+        </p:spPr>
+      </p:pic>
+      <p:pic>
+        <p:nvPicPr>
+          <p:cNvPr id="1030" name="Picture 6">
+            <a:extLst>
+              <a:ext uri="{FF2B5EF4-FFF2-40B4-BE49-F238E27FC236}">
+                <a16:creationId xmlns:a16="http://schemas.microsoft.com/office/drawing/2014/main" id="{E36FC56E-F651-4961-AEF9-8C173EEF0A3B}"/>
+              </a:ext>
+            </a:extLst>
+          </p:cNvPr>
+          <p:cNvPicPr>
+            <a:picLocks noChangeAspect="1" noChangeArrowheads="1"/>
+          </p:cNvPicPr>
+          <p:nvPr/>
+        </p:nvPicPr>
+        <p:blipFill>
+          <a:blip r:embed="rId4">
+            <a:extLst>
+              <a:ext uri="{28A0092B-C50C-407E-A947-70E740481C1C}">
+                <a14:useLocalDpi xmlns:a14="http://schemas.microsoft.com/office/drawing/2010/main" val="0"/>
+              </a:ext>
+            </a:extLst>
+          </a:blip>
+          <a:srcRect/>
+          <a:stretch>
+            <a:fillRect/>
+          </a:stretch>
+        </p:blipFill>
+        <p:spPr bwMode="auto">
+          <a:xfrm>
+            <a:off x="1234633" y="884404"/>
+            <a:ext cx="6655572" cy="2802346"/>
+          </a:xfrm>
+          <a:prstGeom prst="rect">
+            <a:avLst/>
+          </a:prstGeom>
+          <a:noFill/>
+          <a:extLst>
+            <a:ext uri="{909E8E84-426E-40DD-AFC4-6F175D3DCCD1}">
+              <a14:hiddenFill xmlns:a14="http://schemas.microsoft.com/office/drawing/2010/main">
+                <a:solidFill>
+                  <a:srgbClr val="FFFFFF"/>
+                </a:solidFill>
+              </a14:hiddenFill>
+            </a:ext>
+          </a:extLst>
+        </p:spPr>
+      </p:pic>
+      <p:pic>
+        <p:nvPicPr>
+          <p:cNvPr id="1032" name="Picture 8">
+            <a:extLst>
+              <a:ext uri="{FF2B5EF4-FFF2-40B4-BE49-F238E27FC236}">
+                <a16:creationId xmlns:a16="http://schemas.microsoft.com/office/drawing/2014/main" id="{A3F9A019-07D7-406F-A5CD-283E622B0C43}"/>
+              </a:ext>
+            </a:extLst>
+          </p:cNvPr>
+          <p:cNvPicPr>
+            <a:picLocks noChangeAspect="1" noChangeArrowheads="1"/>
+          </p:cNvPicPr>
+          <p:nvPr/>
+        </p:nvPicPr>
+        <p:blipFill rotWithShape="1">
+          <a:blip r:embed="rId5">
+            <a:extLst>
+              <a:ext uri="{28A0092B-C50C-407E-A947-70E740481C1C}">
+                <a14:useLocalDpi xmlns:a14="http://schemas.microsoft.com/office/drawing/2010/main" val="0"/>
+              </a:ext>
+            </a:extLst>
+          </a:blip>
+          <a:srcRect l="31304" r="23361"/>
+          <a:stretch/>
+        </p:blipFill>
+        <p:spPr bwMode="auto">
+          <a:xfrm>
+            <a:off x="7792683" y="632439"/>
+            <a:ext cx="2847886" cy="3306275"/>
+          </a:xfrm>
+          <a:prstGeom prst="rect">
+            <a:avLst/>
+          </a:prstGeom>
+          <a:noFill/>
+          <a:extLst>
+            <a:ext uri="{909E8E84-426E-40DD-AFC4-6F175D3DCCD1}">
+              <a14:hiddenFill xmlns:a14="http://schemas.microsoft.com/office/drawing/2010/main">
+                <a:solidFill>
+                  <a:srgbClr val="FFFFFF"/>
+                </a:solidFill>
+              </a14:hiddenFill>
+            </a:ext>
+          </a:extLst>
+        </p:spPr>
+      </p:pic>
+      <mc:AlternateContent xmlns:mc="http://schemas.openxmlformats.org/markup-compatibility/2006">
+        <mc:Choice xmlns:a14="http://schemas.microsoft.com/office/drawing/2010/main" Requires="a14">
+          <p:sp>
+            <p:nvSpPr>
+              <p:cNvPr id="9" name="Textfeld 8">
+                <a:extLst>
+                  <a:ext uri="{FF2B5EF4-FFF2-40B4-BE49-F238E27FC236}">
+                    <a16:creationId xmlns:a16="http://schemas.microsoft.com/office/drawing/2014/main" id="{DAC64C4F-02FD-4D77-8137-EB7A56DFB41A}"/>
+                  </a:ext>
+                </a:extLst>
+              </p:cNvPr>
+              <p:cNvSpPr txBox="1"/>
+              <p:nvPr/>
+            </p:nvSpPr>
+            <p:spPr>
+              <a:xfrm>
+                <a:off x="1494692" y="127374"/>
+                <a:ext cx="1600199" cy="391582"/>
+              </a:xfrm>
+              <a:prstGeom prst="rect">
+                <a:avLst/>
+              </a:prstGeom>
+              <a:noFill/>
+            </p:spPr>
+            <p:txBody>
+              <a:bodyPr wrap="square">
+                <a:spAutoFit/>
+              </a:bodyPr>
+              <a:lstStyle/>
+              <a:p>
+                <a:r>
+                  <a:rPr lang="de-DE" b="0" i="1" dirty="0">
+                    <a:solidFill>
+                      <a:schemeClr val="bg1">
+                        <a:lumMod val="50000"/>
+                      </a:schemeClr>
+                    </a:solidFill>
+                    <a:latin typeface="Cambria Math" panose="02040503050406030204" pitchFamily="18" charset="0"/>
+                  </a:rPr>
+                  <a:t>Grade </a:t>
+                </a:r>
+                <a14:m>
+                  <m:oMath xmlns:m="http://schemas.openxmlformats.org/officeDocument/2006/math">
+                    <m:sSub>
+                      <m:sSubPr>
+                        <m:ctrlPr>
+                          <a:rPr lang="de-DE" b="0" i="1" smtClean="0">
+                            <a:solidFill>
+                              <a:schemeClr val="bg1">
+                                <a:lumMod val="50000"/>
+                              </a:schemeClr>
+                            </a:solidFill>
+                            <a:latin typeface="Cambria Math" panose="02040503050406030204" pitchFamily="18" charset="0"/>
+                          </a:rPr>
+                        </m:ctrlPr>
+                      </m:sSubPr>
+                      <m:e>
+                        <m:r>
+                          <a:rPr lang="de-DE" b="0" i="1" smtClean="0">
+                            <a:solidFill>
+                              <a:schemeClr val="bg1">
+                                <a:lumMod val="50000"/>
+                              </a:schemeClr>
+                            </a:solidFill>
+                            <a:latin typeface="Cambria Math" panose="02040503050406030204" pitchFamily="18" charset="0"/>
+                          </a:rPr>
+                          <m:t>𝑁</m:t>
+                        </m:r>
+                      </m:e>
+                      <m:sub>
+                        <m:r>
+                          <a:rPr lang="de-DE" b="0" i="1" smtClean="0">
+                            <a:solidFill>
+                              <a:schemeClr val="bg1">
+                                <a:lumMod val="50000"/>
+                              </a:schemeClr>
+                            </a:solidFill>
+                            <a:latin typeface="Cambria Math" panose="02040503050406030204" pitchFamily="18" charset="0"/>
+                          </a:rPr>
+                          <m:t>𝑓</m:t>
+                        </m:r>
+                      </m:sub>
+                    </m:sSub>
+                    <m:r>
+                      <a:rPr lang="de-DE" b="0" i="1" smtClean="0">
+                        <a:solidFill>
+                          <a:schemeClr val="bg1">
+                            <a:lumMod val="50000"/>
+                          </a:schemeClr>
+                        </a:solidFill>
+                        <a:latin typeface="Cambria Math" panose="02040503050406030204" pitchFamily="18" charset="0"/>
+                      </a:rPr>
+                      <m:t>=</m:t>
+                    </m:r>
+                    <m:r>
+                      <a:rPr lang="de-DE" b="0" i="1" smtClean="0">
+                        <a:solidFill>
+                          <a:schemeClr val="bg1">
+                            <a:lumMod val="50000"/>
+                          </a:schemeClr>
+                        </a:solidFill>
+                        <a:latin typeface="Cambria Math" panose="02040503050406030204" pitchFamily="18" charset="0"/>
+                      </a:rPr>
+                      <m:t>4</m:t>
+                    </m:r>
+                  </m:oMath>
+                </a14:m>
+                <a:endParaRPr lang="de-DE" b="0" i="1" dirty="0">
+                  <a:solidFill>
+                    <a:schemeClr val="bg1">
+                      <a:lumMod val="50000"/>
+                    </a:schemeClr>
+                  </a:solidFill>
+                  <a:latin typeface="Cambria Math" panose="02040503050406030204" pitchFamily="18" charset="0"/>
+                </a:endParaRPr>
+              </a:p>
+            </p:txBody>
+          </p:sp>
+        </mc:Choice>
+        <mc:Fallback>
+          <p:sp>
+            <p:nvSpPr>
+              <p:cNvPr id="9" name="Textfeld 8">
+                <a:extLst>
+                  <a:ext uri="{FF2B5EF4-FFF2-40B4-BE49-F238E27FC236}">
+                    <a16:creationId xmlns:a16="http://schemas.microsoft.com/office/drawing/2014/main" id="{DAC64C4F-02FD-4D77-8137-EB7A56DFB41A}"/>
+                  </a:ext>
+                </a:extLst>
+              </p:cNvPr>
+              <p:cNvSpPr txBox="1">
+                <a:spLocks noRot="1" noChangeAspect="1" noMove="1" noResize="1" noEditPoints="1" noAdjustHandles="1" noChangeArrowheads="1" noChangeShapeType="1" noTextEdit="1"/>
+              </p:cNvSpPr>
+              <p:nvPr/>
+            </p:nvSpPr>
+            <p:spPr>
+              <a:xfrm>
+                <a:off x="1494692" y="127374"/>
+                <a:ext cx="1600199" cy="391582"/>
+              </a:xfrm>
+              <a:prstGeom prst="rect">
+                <a:avLst/>
+              </a:prstGeom>
+              <a:blipFill>
+                <a:blip r:embed="rId6"/>
+                <a:stretch>
+                  <a:fillRect l="-3042" t="-10938" b="-17188"/>
+                </a:stretch>
+              </a:blipFill>
+            </p:spPr>
+            <p:txBody>
+              <a:bodyPr/>
+              <a:lstStyle/>
+              <a:p>
+                <a:r>
+                  <a:rPr lang="de-DE">
+                    <a:noFill/>
+                  </a:rPr>
+                  <a:t> </a:t>
+                </a:r>
+              </a:p>
+            </p:txBody>
+          </p:sp>
+        </mc:Fallback>
+      </mc:AlternateContent>
+      <p:sp>
+        <p:nvSpPr>
+          <p:cNvPr id="10" name="Textfeld 9">
+            <a:extLst>
+              <a:ext uri="{FF2B5EF4-FFF2-40B4-BE49-F238E27FC236}">
+                <a16:creationId xmlns:a16="http://schemas.microsoft.com/office/drawing/2014/main" id="{8128BBAA-107F-486E-8D89-A7149EB79433}"/>
+              </a:ext>
+            </a:extLst>
+          </p:cNvPr>
+          <p:cNvSpPr txBox="1"/>
+          <p:nvPr/>
+        </p:nvSpPr>
+        <p:spPr>
+          <a:xfrm>
+            <a:off x="0" y="0"/>
+            <a:ext cx="1234633" cy="646331"/>
+          </a:xfrm>
+          <a:prstGeom prst="rect">
+            <a:avLst/>
+          </a:prstGeom>
+          <a:noFill/>
+        </p:spPr>
+        <p:txBody>
+          <a:bodyPr wrap="none" rtlCol="0">
+            <a:spAutoFit/>
+          </a:bodyPr>
+          <a:lstStyle/>
+          <a:p>
+            <a:r>
+              <a:rPr lang="de-DE" sz="3600" b="1" dirty="0">
+                <a:solidFill>
+                  <a:schemeClr val="bg1">
+                    <a:lumMod val="50000"/>
+                  </a:schemeClr>
+                </a:solidFill>
+              </a:rPr>
+              <a:t>3D fit</a:t>
+            </a:r>
+          </a:p>
+        </p:txBody>
+      </p:sp>
+    </p:spTree>
+    <p:extLst>
+      <p:ext uri="{BB962C8B-B14F-4D97-AF65-F5344CB8AC3E}">
+        <p14:creationId xmlns:p14="http://schemas.microsoft.com/office/powerpoint/2010/main" val="2178752195"/>
       </p:ext>
     </p:extLst>
   </p:cSld>
